--- a/NFS/Sprint2.pptx
+++ b/NFS/Sprint2.pptx
@@ -105,6 +105,11 @@
       </a:defRPr>
     </a:lvl9pPr>
   </p:defaultTextStyle>
+  <p:extLst>
+    <p:ext uri="{EFAFB233-063F-42B5-8137-9DF3F51BA10A}">
+      <p15:sldGuideLst xmlns:p15="http://schemas.microsoft.com/office/powerpoint/2012/main"/>
+    </p:ext>
+  </p:extLst>
 </p:presentation>
 </file>
 
@@ -255,7 +260,7 @@
           <a:p>
             <a:fld id="{820491FF-F0B0-49E5-BF78-782B62461F8E}" type="datetimeFigureOut">
               <a:rPr lang="pt-BR" smtClean="0"/>
-              <a:t>17/10/2024</a:t>
+              <a:t>21/10/2024</a:t>
             </a:fld>
             <a:endParaRPr lang="pt-BR"/>
           </a:p>
@@ -453,7 +458,7 @@
           <a:p>
             <a:fld id="{820491FF-F0B0-49E5-BF78-782B62461F8E}" type="datetimeFigureOut">
               <a:rPr lang="pt-BR" smtClean="0"/>
-              <a:t>17/10/2024</a:t>
+              <a:t>21/10/2024</a:t>
             </a:fld>
             <a:endParaRPr lang="pt-BR"/>
           </a:p>
@@ -661,7 +666,7 @@
           <a:p>
             <a:fld id="{820491FF-F0B0-49E5-BF78-782B62461F8E}" type="datetimeFigureOut">
               <a:rPr lang="pt-BR" smtClean="0"/>
-              <a:t>17/10/2024</a:t>
+              <a:t>21/10/2024</a:t>
             </a:fld>
             <a:endParaRPr lang="pt-BR"/>
           </a:p>
@@ -859,7 +864,7 @@
           <a:p>
             <a:fld id="{820491FF-F0B0-49E5-BF78-782B62461F8E}" type="datetimeFigureOut">
               <a:rPr lang="pt-BR" smtClean="0"/>
-              <a:t>17/10/2024</a:t>
+              <a:t>21/10/2024</a:t>
             </a:fld>
             <a:endParaRPr lang="pt-BR"/>
           </a:p>
@@ -1134,7 +1139,7 @@
           <a:p>
             <a:fld id="{820491FF-F0B0-49E5-BF78-782B62461F8E}" type="datetimeFigureOut">
               <a:rPr lang="pt-BR" smtClean="0"/>
-              <a:t>17/10/2024</a:t>
+              <a:t>21/10/2024</a:t>
             </a:fld>
             <a:endParaRPr lang="pt-BR"/>
           </a:p>
@@ -1399,7 +1404,7 @@
           <a:p>
             <a:fld id="{820491FF-F0B0-49E5-BF78-782B62461F8E}" type="datetimeFigureOut">
               <a:rPr lang="pt-BR" smtClean="0"/>
-              <a:t>17/10/2024</a:t>
+              <a:t>21/10/2024</a:t>
             </a:fld>
             <a:endParaRPr lang="pt-BR"/>
           </a:p>
@@ -1811,7 +1816,7 @@
           <a:p>
             <a:fld id="{820491FF-F0B0-49E5-BF78-782B62461F8E}" type="datetimeFigureOut">
               <a:rPr lang="pt-BR" smtClean="0"/>
-              <a:t>17/10/2024</a:t>
+              <a:t>21/10/2024</a:t>
             </a:fld>
             <a:endParaRPr lang="pt-BR"/>
           </a:p>
@@ -1952,7 +1957,7 @@
           <a:p>
             <a:fld id="{820491FF-F0B0-49E5-BF78-782B62461F8E}" type="datetimeFigureOut">
               <a:rPr lang="pt-BR" smtClean="0"/>
-              <a:t>17/10/2024</a:t>
+              <a:t>21/10/2024</a:t>
             </a:fld>
             <a:endParaRPr lang="pt-BR"/>
           </a:p>
@@ -2065,7 +2070,7 @@
           <a:p>
             <a:fld id="{820491FF-F0B0-49E5-BF78-782B62461F8E}" type="datetimeFigureOut">
               <a:rPr lang="pt-BR" smtClean="0"/>
-              <a:t>17/10/2024</a:t>
+              <a:t>21/10/2024</a:t>
             </a:fld>
             <a:endParaRPr lang="pt-BR"/>
           </a:p>
@@ -2376,7 +2381,7 @@
           <a:p>
             <a:fld id="{820491FF-F0B0-49E5-BF78-782B62461F8E}" type="datetimeFigureOut">
               <a:rPr lang="pt-BR" smtClean="0"/>
-              <a:t>17/10/2024</a:t>
+              <a:t>21/10/2024</a:t>
             </a:fld>
             <a:endParaRPr lang="pt-BR"/>
           </a:p>
@@ -2664,7 +2669,7 @@
           <a:p>
             <a:fld id="{820491FF-F0B0-49E5-BF78-782B62461F8E}" type="datetimeFigureOut">
               <a:rPr lang="pt-BR" smtClean="0"/>
-              <a:t>17/10/2024</a:t>
+              <a:t>21/10/2024</a:t>
             </a:fld>
             <a:endParaRPr lang="pt-BR"/>
           </a:p>
@@ -2905,7 +2910,7 @@
           <a:p>
             <a:fld id="{820491FF-F0B0-49E5-BF78-782B62461F8E}" type="datetimeFigureOut">
               <a:rPr lang="pt-BR" smtClean="0"/>
-              <a:t>17/10/2024</a:t>
+              <a:t>21/10/2024</a:t>
             </a:fld>
             <a:endParaRPr lang="pt-BR"/>
           </a:p>
@@ -6021,8 +6026,8 @@
         </p:nvSpPr>
         <p:spPr>
           <a:xfrm>
-            <a:off x="5972311" y="6525457"/>
-            <a:ext cx="1620957" cy="288541"/>
+            <a:off x="5982730" y="6525457"/>
+            <a:ext cx="1600118" cy="288541"/>
           </a:xfrm>
           <a:prstGeom prst="rect">
             <a:avLst/>
@@ -6046,7 +6051,7 @@
                 <a:sym typeface="Arial"/>
                 <a:rtl val="0"/>
               </a:rPr>
-              <a:t>00:CD:BC:00:FF:81</a:t>
+              <a:t>FF:FF:0A:0A:00:0C</a:t>
             </a:r>
           </a:p>
         </p:txBody>
@@ -6139,8 +6144,8 @@
         </p:nvSpPr>
         <p:spPr>
           <a:xfrm>
-            <a:off x="4039934" y="6525457"/>
-            <a:ext cx="1620957" cy="288541"/>
+            <a:off x="4055162" y="6525457"/>
+            <a:ext cx="1590500" cy="288541"/>
           </a:xfrm>
           <a:prstGeom prst="rect">
             <a:avLst/>
@@ -6164,7 +6169,7 @@
                 <a:sym typeface="Arial"/>
                 <a:rtl val="0"/>
               </a:rPr>
-              <a:t>00:CD:BC:00:FF:81</a:t>
+              <a:t>FF:FF:0A:0A:00:0B</a:t>
             </a:r>
           </a:p>
         </p:txBody>
@@ -6257,8 +6262,8 @@
         </p:nvSpPr>
         <p:spPr>
           <a:xfrm>
-            <a:off x="2107557" y="6525457"/>
-            <a:ext cx="1620957" cy="288541"/>
+            <a:off x="2122786" y="6525457"/>
+            <a:ext cx="1590500" cy="288541"/>
           </a:xfrm>
           <a:prstGeom prst="rect">
             <a:avLst/>
@@ -6282,7 +6287,7 @@
                 <a:sym typeface="Arial"/>
                 <a:rtl val="0"/>
               </a:rPr>
-              <a:t>00:CD:BC:00:FF:81</a:t>
+              <a:t>FF:FF:0A:0A:00:0A</a:t>
             </a:r>
           </a:p>
         </p:txBody>
@@ -6375,8 +6380,8 @@
         </p:nvSpPr>
         <p:spPr>
           <a:xfrm>
-            <a:off x="7904687" y="6525457"/>
-            <a:ext cx="1620957" cy="288541"/>
+            <a:off x="7915106" y="6525457"/>
+            <a:ext cx="1600118" cy="288541"/>
           </a:xfrm>
           <a:prstGeom prst="rect">
             <a:avLst/>
@@ -6400,7 +6405,7 @@
                 <a:sym typeface="Arial"/>
                 <a:rtl val="0"/>
               </a:rPr>
-              <a:t>00:CD:BC:00:FF:81</a:t>
+              <a:t>FF:FF:0A:0A:00:0D</a:t>
             </a:r>
           </a:p>
         </p:txBody>
@@ -6537,8 +6542,8 @@
         </p:nvSpPr>
         <p:spPr>
           <a:xfrm>
-            <a:off x="8170808" y="2045371"/>
-            <a:ext cx="1568058" cy="288541"/>
+            <a:off x="8132341" y="2045371"/>
+            <a:ext cx="1645002" cy="288541"/>
           </a:xfrm>
           <a:prstGeom prst="rect">
             <a:avLst/>
@@ -6553,7 +6558,7 @@
           <a:p>
             <a:pPr algn="ctr"/>
             <a:r>
-              <a:rPr lang="pt-BR" sz="1275" spc="0" baseline="0">
+              <a:rPr lang="pt-BR" sz="1275" spc="0" baseline="0" dirty="0">
                 <a:solidFill>
                   <a:srgbClr val="8F12B2"/>
                 </a:solidFill>
@@ -6562,7 +6567,7 @@
                 <a:sym typeface="Arial"/>
                 <a:rtl val="0"/>
               </a:rPr>
-              <a:t>00:D0:1A:3E:02:56</a:t>
+              <a:t>FF:FF:CD:FB:C1:33</a:t>
             </a:r>
           </a:p>
         </p:txBody>
@@ -6707,8 +6712,8 @@
         </p:nvSpPr>
         <p:spPr>
           <a:xfrm>
-            <a:off x="8170808" y="3286859"/>
-            <a:ext cx="1568058" cy="288541"/>
+            <a:off x="8132340" y="3286859"/>
+            <a:ext cx="1645002" cy="288541"/>
           </a:xfrm>
           <a:prstGeom prst="rect">
             <a:avLst/>
@@ -6723,7 +6728,7 @@
           <a:p>
             <a:pPr algn="ctr"/>
             <a:r>
-              <a:rPr lang="pt-BR" sz="1275" spc="0" baseline="0">
+              <a:rPr lang="pt-BR" sz="1275" spc="0" baseline="0" dirty="0">
                 <a:solidFill>
                   <a:srgbClr val="8F12B2"/>
                 </a:solidFill>
@@ -6732,7 +6737,7 @@
                 <a:sym typeface="Arial"/>
                 <a:rtl val="0"/>
               </a:rPr>
-              <a:t>00:D0:1A:3E:02:56</a:t>
+              <a:t>FF:FF:CD:FB:C1:38</a:t>
             </a:r>
           </a:p>
         </p:txBody>
@@ -6915,8 +6920,8 @@
         </p:nvSpPr>
         <p:spPr>
           <a:xfrm>
-            <a:off x="8092418" y="4543658"/>
-            <a:ext cx="1568058" cy="288541"/>
+            <a:off x="8031507" y="4543658"/>
+            <a:ext cx="1689886" cy="288541"/>
           </a:xfrm>
           <a:prstGeom prst="rect">
             <a:avLst/>
@@ -6931,7 +6936,7 @@
           <a:p>
             <a:pPr algn="ctr"/>
             <a:r>
-              <a:rPr lang="pt-BR" sz="1275" spc="0" baseline="0">
+              <a:rPr lang="pt-BR" sz="1275" spc="0" baseline="0" dirty="0">
                 <a:solidFill>
                   <a:srgbClr val="8F12B2"/>
                 </a:solidFill>
@@ -6940,7 +6945,7 @@
                 <a:sym typeface="Arial"/>
                 <a:rtl val="0"/>
               </a:rPr>
-              <a:t>00:D0:1A:3E:02:56</a:t>
+              <a:t>FF:FF:CD:FB:C1:CB</a:t>
             </a:r>
           </a:p>
         </p:txBody>
@@ -7136,8 +7141,8 @@
         </p:nvSpPr>
         <p:spPr>
           <a:xfrm>
-            <a:off x="1283530" y="3367216"/>
-            <a:ext cx="1568058" cy="288541"/>
+            <a:off x="1249867" y="3367216"/>
+            <a:ext cx="1635384" cy="288541"/>
           </a:xfrm>
           <a:prstGeom prst="rect">
             <a:avLst/>
@@ -7152,7 +7157,7 @@
           <a:p>
             <a:pPr algn="ctr"/>
             <a:r>
-              <a:rPr lang="pt-BR" sz="1275" spc="0" baseline="0">
+              <a:rPr lang="en-US" sz="1275" spc="0" baseline="0" dirty="0">
                 <a:solidFill>
                   <a:srgbClr val="8F12B2"/>
                 </a:solidFill>
@@ -7161,7 +7166,7 @@
                 <a:sym typeface="Arial"/>
                 <a:rtl val="0"/>
               </a:rPr>
-              <a:t>00:D0:1A:3E:02:56</a:t>
+              <a:t>FF:FF:CD:FB:0A:93</a:t>
             </a:r>
           </a:p>
         </p:txBody>
@@ -7306,8 +7311,8 @@
         </p:nvSpPr>
         <p:spPr>
           <a:xfrm>
-            <a:off x="1283530" y="4668233"/>
-            <a:ext cx="1568058" cy="288541"/>
+            <a:off x="1249867" y="4668233"/>
+            <a:ext cx="1635384" cy="288541"/>
           </a:xfrm>
           <a:prstGeom prst="rect">
             <a:avLst/>
@@ -7322,7 +7327,7 @@
           <a:p>
             <a:pPr algn="ctr"/>
             <a:r>
-              <a:rPr lang="pt-BR" sz="1275" spc="0" baseline="0">
+              <a:rPr lang="en-US" sz="1275" spc="0" baseline="0" dirty="0">
                 <a:solidFill>
                   <a:srgbClr val="8F12B2"/>
                 </a:solidFill>
@@ -7331,7 +7336,7 @@
                 <a:sym typeface="Arial"/>
                 <a:rtl val="0"/>
               </a:rPr>
-              <a:t>00:D0:1A:3E:02:56</a:t>
+              <a:t>FF:FF:CD:FB:0A:52</a:t>
             </a:r>
           </a:p>
         </p:txBody>
@@ -8501,8 +8506,8 @@
         </p:nvSpPr>
         <p:spPr>
           <a:xfrm>
-            <a:off x="5043105" y="4530556"/>
-            <a:ext cx="1620957" cy="288541"/>
+            <a:off x="5051923" y="4530556"/>
+            <a:ext cx="1603324" cy="288541"/>
           </a:xfrm>
           <a:prstGeom prst="rect">
             <a:avLst/>
@@ -8526,7 +8531,7 @@
                 <a:sym typeface="Arial"/>
                 <a:rtl val="0"/>
               </a:rPr>
-              <a:t>00:CD:BC:00:FF:81</a:t>
+              <a:t>FF:FF:0A:0A:00:01</a:t>
             </a:r>
           </a:p>
         </p:txBody>
@@ -8589,8 +8594,8 @@
         </p:nvSpPr>
         <p:spPr>
           <a:xfrm>
-            <a:off x="6319225" y="3108120"/>
-            <a:ext cx="1620957" cy="288541"/>
+            <a:off x="6307205" y="3108120"/>
+            <a:ext cx="1645002" cy="288541"/>
           </a:xfrm>
           <a:prstGeom prst="rect">
             <a:avLst/>
@@ -8614,7 +8619,7 @@
                 <a:sym typeface="Arial"/>
                 <a:rtl val="0"/>
               </a:rPr>
-              <a:t>00:CD:BC:00:FF:81</a:t>
+              <a:t>FF:FF:CD:FB:C1:01</a:t>
             </a:r>
           </a:p>
         </p:txBody>
@@ -8677,8 +8682,8 @@
         </p:nvSpPr>
         <p:spPr>
           <a:xfrm>
-            <a:off x="4611590" y="3448667"/>
-            <a:ext cx="1620957" cy="288541"/>
+            <a:off x="4613193" y="3448667"/>
+            <a:ext cx="1617751" cy="288541"/>
           </a:xfrm>
           <a:prstGeom prst="rect">
             <a:avLst/>
@@ -8693,7 +8698,7 @@
           <a:p>
             <a:pPr algn="ctr"/>
             <a:r>
-              <a:rPr lang="pt-BR" sz="1275" spc="0" baseline="0" dirty="0">
+              <a:rPr lang="en-US" sz="1275" spc="0" baseline="0" dirty="0">
                 <a:solidFill>
                   <a:schemeClr val="accent1"/>
                 </a:solidFill>
@@ -8702,7 +8707,7 @@
                 <a:sym typeface="Arial"/>
                 <a:rtl val="0"/>
               </a:rPr>
-              <a:t>00:CD:BC:00:FF:81</a:t>
+              <a:t>FF:FF:CD:FB:01:01</a:t>
             </a:r>
           </a:p>
         </p:txBody>
@@ -8765,8 +8770,8 @@
         </p:nvSpPr>
         <p:spPr>
           <a:xfrm>
-            <a:off x="3007778" y="3078675"/>
-            <a:ext cx="1620957" cy="288541"/>
+            <a:off x="3000568" y="3078675"/>
+            <a:ext cx="1635384" cy="288541"/>
           </a:xfrm>
           <a:prstGeom prst="rect">
             <a:avLst/>
@@ -8790,7 +8795,7 @@
                 <a:sym typeface="Arial"/>
                 <a:rtl val="0"/>
               </a:rPr>
-              <a:t>00:CD:BC:00:FF:81</a:t>
+              <a:t>FF:FF:CD:FB:0A:01</a:t>
             </a:r>
           </a:p>
         </p:txBody>
@@ -8853,8 +8858,8 @@
         </p:nvSpPr>
         <p:spPr>
           <a:xfrm>
-            <a:off x="3513487" y="739237"/>
-            <a:ext cx="1620957" cy="288541"/>
+            <a:off x="3527917" y="739237"/>
+            <a:ext cx="1592103" cy="288541"/>
           </a:xfrm>
           <a:prstGeom prst="rect">
             <a:avLst/>
@@ -8878,7 +8883,7 @@
                 <a:sym typeface="Arial"/>
                 <a:rtl val="0"/>
               </a:rPr>
-              <a:t>00:CD:BC:00:FF:81</a:t>
+              <a:t>FF:FF:CD:01:01:01</a:t>
             </a:r>
           </a:p>
         </p:txBody>
@@ -8897,8 +8902,8 @@
         </p:nvSpPr>
         <p:spPr>
           <a:xfrm>
-            <a:off x="3789141" y="518543"/>
-            <a:ext cx="1050288" cy="288541"/>
+            <a:off x="3880514" y="518543"/>
+            <a:ext cx="867545" cy="288541"/>
           </a:xfrm>
           <a:prstGeom prst="rect">
             <a:avLst/>
@@ -8922,7 +8927,7 @@
                 <a:sym typeface="Arial"/>
                 <a:rtl val="0"/>
               </a:rPr>
-              <a:t>192.168.0.2</a:t>
+              <a:t>205.1.1.1</a:t>
             </a:r>
           </a:p>
         </p:txBody>
